--- a/LevashovKursPrezent.pptx
+++ b/LevashovKursPrezent.pptx
@@ -5,7 +5,7 @@
     <p:sldMasterId id="2147483685" r:id="rId1"/>
   </p:sldMasterIdLst>
   <p:notesMasterIdLst>
-    <p:notesMasterId r:id="rId12"/>
+    <p:notesMasterId r:id="rId11"/>
   </p:notesMasterIdLst>
   <p:sldIdLst>
     <p:sldId id="256" r:id="rId2"/>
@@ -14,10 +14,9 @@
     <p:sldId id="270" r:id="rId5"/>
     <p:sldId id="258" r:id="rId6"/>
     <p:sldId id="267" r:id="rId7"/>
-    <p:sldId id="260" r:id="rId8"/>
-    <p:sldId id="265" r:id="rId9"/>
-    <p:sldId id="262" r:id="rId10"/>
-    <p:sldId id="264" r:id="rId11"/>
+    <p:sldId id="265" r:id="rId8"/>
+    <p:sldId id="262" r:id="rId9"/>
+    <p:sldId id="264" r:id="rId10"/>
   </p:sldIdLst>
   <p:sldSz cx="12192000" cy="6858000"/>
   <p:notesSz cx="6858000" cy="9144000"/>
@@ -124,6 +123,290 @@
 </p:presentation>
 </file>
 
+<file path=ppt/revisionInfo.xml><?xml version="1.0" encoding="utf-8"?>
+<p1510:revInfo xmlns:a="http://schemas.openxmlformats.org/drawingml/2006/main" xmlns:r="http://schemas.openxmlformats.org/officeDocument/2006/relationships" xmlns:p1510="http://schemas.microsoft.com/office/powerpoint/2015/10/main">
+  <p1510:revLst>
+    <p1510:client id="{0A3E9D50-F2DA-4657-BE00-D198136A5056}" v="17" dt="2022-03-01T11:26:25.306"/>
+  </p1510:revLst>
+</p1510:revInfo>
+</file>
+
+<file path=ppt/changesInfos/changesInfo1.xml><?xml version="1.0" encoding="utf-8"?>
+<pc:chgInfo xmlns:a="http://schemas.openxmlformats.org/drawingml/2006/main" xmlns:r="http://schemas.openxmlformats.org/officeDocument/2006/relationships" xmlns:ac="http://schemas.microsoft.com/office/drawing/2013/main/command" xmlns:pc="http://schemas.microsoft.com/office/powerpoint/2013/main/command">
+  <pc:docChgLst>
+    <pc:chgData name="Lev Artem" userId="bcc24bddc720b6c5" providerId="LiveId" clId="{0A3E9D50-F2DA-4657-BE00-D198136A5056}"/>
+    <pc:docChg chg="custSel delSld modSld">
+      <pc:chgData name="Lev Artem" userId="bcc24bddc720b6c5" providerId="LiveId" clId="{0A3E9D50-F2DA-4657-BE00-D198136A5056}" dt="2022-03-01T11:26:25.305" v="186" actId="1076"/>
+      <pc:docMkLst>
+        <pc:docMk/>
+      </pc:docMkLst>
+      <pc:sldChg chg="modSp mod">
+        <pc:chgData name="Lev Artem" userId="bcc24bddc720b6c5" providerId="LiveId" clId="{0A3E9D50-F2DA-4657-BE00-D198136A5056}" dt="2022-03-01T06:49:45.286" v="58" actId="1076"/>
+        <pc:sldMkLst>
+          <pc:docMk/>
+          <pc:sldMk cId="3269671990" sldId="256"/>
+        </pc:sldMkLst>
+        <pc:spChg chg="mod">
+          <ac:chgData name="Lev Artem" userId="bcc24bddc720b6c5" providerId="LiveId" clId="{0A3E9D50-F2DA-4657-BE00-D198136A5056}" dt="2022-03-01T06:49:19.582" v="55" actId="1076"/>
+          <ac:spMkLst>
+            <pc:docMk/>
+            <pc:sldMk cId="3269671990" sldId="256"/>
+            <ac:spMk id="2" creationId="{4A4498D4-1FDA-4CC9-9C03-146307E8BFD3}"/>
+          </ac:spMkLst>
+        </pc:spChg>
+        <pc:spChg chg="mod">
+          <ac:chgData name="Lev Artem" userId="bcc24bddc720b6c5" providerId="LiveId" clId="{0A3E9D50-F2DA-4657-BE00-D198136A5056}" dt="2022-03-01T06:49:28.674" v="57" actId="1076"/>
+          <ac:spMkLst>
+            <pc:docMk/>
+            <pc:sldMk cId="3269671990" sldId="256"/>
+            <ac:spMk id="3" creationId="{8BE5B2B0-0E93-4075-91A3-1889C1B987E0}"/>
+          </ac:spMkLst>
+        </pc:spChg>
+        <pc:spChg chg="mod">
+          <ac:chgData name="Lev Artem" userId="bcc24bddc720b6c5" providerId="LiveId" clId="{0A3E9D50-F2DA-4657-BE00-D198136A5056}" dt="2022-03-01T06:49:45.286" v="58" actId="1076"/>
+          <ac:spMkLst>
+            <pc:docMk/>
+            <pc:sldMk cId="3269671990" sldId="256"/>
+            <ac:spMk id="5" creationId="{00000000-0000-0000-0000-000000000000}"/>
+          </ac:spMkLst>
+        </pc:spChg>
+      </pc:sldChg>
+      <pc:sldChg chg="addSp delSp modSp mod">
+        <pc:chgData name="Lev Artem" userId="bcc24bddc720b6c5" providerId="LiveId" clId="{0A3E9D50-F2DA-4657-BE00-D198136A5056}" dt="2022-03-01T11:26:25.305" v="186" actId="1076"/>
+        <pc:sldMkLst>
+          <pc:docMk/>
+          <pc:sldMk cId="3717277160" sldId="258"/>
+        </pc:sldMkLst>
+        <pc:spChg chg="mod">
+          <ac:chgData name="Lev Artem" userId="bcc24bddc720b6c5" providerId="LiveId" clId="{0A3E9D50-F2DA-4657-BE00-D198136A5056}" dt="2022-03-01T11:26:21.210" v="185" actId="20577"/>
+          <ac:spMkLst>
+            <pc:docMk/>
+            <pc:sldMk cId="3717277160" sldId="258"/>
+            <ac:spMk id="2" creationId="{5885A9C3-452D-4F80-B02C-6ED82B8EB760}"/>
+          </ac:spMkLst>
+        </pc:spChg>
+        <pc:picChg chg="add mod">
+          <ac:chgData name="Lev Artem" userId="bcc24bddc720b6c5" providerId="LiveId" clId="{0A3E9D50-F2DA-4657-BE00-D198136A5056}" dt="2022-03-01T11:26:25.305" v="186" actId="1076"/>
+          <ac:picMkLst>
+            <pc:docMk/>
+            <pc:sldMk cId="3717277160" sldId="258"/>
+            <ac:picMk id="3" creationId="{576406B7-8A6E-4587-A30E-7D1F6B89893F}"/>
+          </ac:picMkLst>
+        </pc:picChg>
+        <pc:picChg chg="del">
+          <ac:chgData name="Lev Artem" userId="bcc24bddc720b6c5" providerId="LiveId" clId="{0A3E9D50-F2DA-4657-BE00-D198136A5056}" dt="2022-03-01T06:44:56.224" v="27" actId="478"/>
+          <ac:picMkLst>
+            <pc:docMk/>
+            <pc:sldMk cId="3717277160" sldId="258"/>
+            <ac:picMk id="5" creationId="{00000000-0000-0000-0000-000000000000}"/>
+          </ac:picMkLst>
+        </pc:picChg>
+        <pc:picChg chg="add del mod">
+          <ac:chgData name="Lev Artem" userId="bcc24bddc720b6c5" providerId="LiveId" clId="{0A3E9D50-F2DA-4657-BE00-D198136A5056}" dt="2022-03-01T11:25:50.412" v="133" actId="478"/>
+          <ac:picMkLst>
+            <pc:docMk/>
+            <pc:sldMk cId="3717277160" sldId="258"/>
+            <ac:picMk id="1026" creationId="{18BE03BE-A811-4DEF-AFF3-4D8C20A8552B}"/>
+          </ac:picMkLst>
+        </pc:picChg>
+      </pc:sldChg>
+      <pc:sldChg chg="del">
+        <pc:chgData name="Lev Artem" userId="bcc24bddc720b6c5" providerId="LiveId" clId="{0A3E9D50-F2DA-4657-BE00-D198136A5056}" dt="2022-03-01T06:47:51.948" v="33" actId="2696"/>
+        <pc:sldMkLst>
+          <pc:docMk/>
+          <pc:sldMk cId="86577255" sldId="260"/>
+        </pc:sldMkLst>
+      </pc:sldChg>
+      <pc:sldChg chg="modSp mod">
+        <pc:chgData name="Lev Artem" userId="bcc24bddc720b6c5" providerId="LiveId" clId="{0A3E9D50-F2DA-4657-BE00-D198136A5056}" dt="2022-03-01T06:57:16.371" v="99" actId="1076"/>
+        <pc:sldMkLst>
+          <pc:docMk/>
+          <pc:sldMk cId="434920532" sldId="262"/>
+        </pc:sldMkLst>
+        <pc:spChg chg="mod">
+          <ac:chgData name="Lev Artem" userId="bcc24bddc720b6c5" providerId="LiveId" clId="{0A3E9D50-F2DA-4657-BE00-D198136A5056}" dt="2022-03-01T06:57:16.371" v="99" actId="1076"/>
+          <ac:spMkLst>
+            <pc:docMk/>
+            <pc:sldMk cId="434920532" sldId="262"/>
+            <ac:spMk id="2" creationId="{213B3EFA-453C-4101-ADBF-5B21A86EFE02}"/>
+          </ac:spMkLst>
+        </pc:spChg>
+      </pc:sldChg>
+      <pc:sldChg chg="modSp mod">
+        <pc:chgData name="Lev Artem" userId="bcc24bddc720b6c5" providerId="LiveId" clId="{0A3E9D50-F2DA-4657-BE00-D198136A5056}" dt="2022-03-01T06:57:28.313" v="100" actId="255"/>
+        <pc:sldMkLst>
+          <pc:docMk/>
+          <pc:sldMk cId="384015414" sldId="264"/>
+        </pc:sldMkLst>
+        <pc:spChg chg="mod">
+          <ac:chgData name="Lev Artem" userId="bcc24bddc720b6c5" providerId="LiveId" clId="{0A3E9D50-F2DA-4657-BE00-D198136A5056}" dt="2022-03-01T06:57:28.313" v="100" actId="255"/>
+          <ac:spMkLst>
+            <pc:docMk/>
+            <pc:sldMk cId="384015414" sldId="264"/>
+            <ac:spMk id="3" creationId="{592DB4D9-31D3-459D-B0DB-6F9F48A9C15E}"/>
+          </ac:spMkLst>
+        </pc:spChg>
+      </pc:sldChg>
+      <pc:sldChg chg="modSp mod">
+        <pc:chgData name="Lev Artem" userId="bcc24bddc720b6c5" providerId="LiveId" clId="{0A3E9D50-F2DA-4657-BE00-D198136A5056}" dt="2022-03-01T06:56:19.913" v="95" actId="1076"/>
+        <pc:sldMkLst>
+          <pc:docMk/>
+          <pc:sldMk cId="36120303" sldId="265"/>
+        </pc:sldMkLst>
+        <pc:spChg chg="mod">
+          <ac:chgData name="Lev Artem" userId="bcc24bddc720b6c5" providerId="LiveId" clId="{0A3E9D50-F2DA-4657-BE00-D198136A5056}" dt="2022-03-01T06:56:19.913" v="95" actId="1076"/>
+          <ac:spMkLst>
+            <pc:docMk/>
+            <pc:sldMk cId="36120303" sldId="265"/>
+            <ac:spMk id="2" creationId="{00000000-0000-0000-0000-000000000000}"/>
+          </ac:spMkLst>
+        </pc:spChg>
+      </pc:sldChg>
+      <pc:sldChg chg="modSp mod">
+        <pc:chgData name="Lev Artem" userId="bcc24bddc720b6c5" providerId="LiveId" clId="{0A3E9D50-F2DA-4657-BE00-D198136A5056}" dt="2022-03-01T11:17:48.768" v="132" actId="20577"/>
+        <pc:sldMkLst>
+          <pc:docMk/>
+          <pc:sldMk cId="3258136964" sldId="266"/>
+        </pc:sldMkLst>
+        <pc:spChg chg="mod">
+          <ac:chgData name="Lev Artem" userId="bcc24bddc720b6c5" providerId="LiveId" clId="{0A3E9D50-F2DA-4657-BE00-D198136A5056}" dt="2022-03-01T06:57:45.507" v="102" actId="122"/>
+          <ac:spMkLst>
+            <pc:docMk/>
+            <pc:sldMk cId="3258136964" sldId="266"/>
+            <ac:spMk id="2" creationId="{00000000-0000-0000-0000-000000000000}"/>
+          </ac:spMkLst>
+        </pc:spChg>
+        <pc:spChg chg="mod">
+          <ac:chgData name="Lev Artem" userId="bcc24bddc720b6c5" providerId="LiveId" clId="{0A3E9D50-F2DA-4657-BE00-D198136A5056}" dt="2022-03-01T11:17:48.768" v="132" actId="20577"/>
+          <ac:spMkLst>
+            <pc:docMk/>
+            <pc:sldMk cId="3258136964" sldId="266"/>
+            <ac:spMk id="3" creationId="{00000000-0000-0000-0000-000000000000}"/>
+          </ac:spMkLst>
+        </pc:spChg>
+      </pc:sldChg>
+      <pc:sldChg chg="modSp mod">
+        <pc:chgData name="Lev Artem" userId="bcc24bddc720b6c5" providerId="LiveId" clId="{0A3E9D50-F2DA-4657-BE00-D198136A5056}" dt="2022-03-01T06:55:46.545" v="91" actId="1076"/>
+        <pc:sldMkLst>
+          <pc:docMk/>
+          <pc:sldMk cId="2195697259" sldId="267"/>
+        </pc:sldMkLst>
+        <pc:spChg chg="mod">
+          <ac:chgData name="Lev Artem" userId="bcc24bddc720b6c5" providerId="LiveId" clId="{0A3E9D50-F2DA-4657-BE00-D198136A5056}" dt="2022-03-01T06:55:39.360" v="90" actId="1076"/>
+          <ac:spMkLst>
+            <pc:docMk/>
+            <pc:sldMk cId="2195697259" sldId="267"/>
+            <ac:spMk id="2" creationId="{00000000-0000-0000-0000-000000000000}"/>
+          </ac:spMkLst>
+        </pc:spChg>
+        <pc:picChg chg="mod">
+          <ac:chgData name="Lev Artem" userId="bcc24bddc720b6c5" providerId="LiveId" clId="{0A3E9D50-F2DA-4657-BE00-D198136A5056}" dt="2022-03-01T06:55:46.545" v="91" actId="1076"/>
+          <ac:picMkLst>
+            <pc:docMk/>
+            <pc:sldMk cId="2195697259" sldId="267"/>
+            <ac:picMk id="5122" creationId="{F91A861B-27BD-4446-AA2E-045345374D3D}"/>
+          </ac:picMkLst>
+        </pc:picChg>
+      </pc:sldChg>
+      <pc:sldChg chg="modSp mod">
+        <pc:chgData name="Lev Artem" userId="bcc24bddc720b6c5" providerId="LiveId" clId="{0A3E9D50-F2DA-4657-BE00-D198136A5056}" dt="2022-03-01T06:58:44.439" v="103" actId="1076"/>
+        <pc:sldMkLst>
+          <pc:docMk/>
+          <pc:sldMk cId="1366878453" sldId="268"/>
+        </pc:sldMkLst>
+        <pc:spChg chg="mod">
+          <ac:chgData name="Lev Artem" userId="bcc24bddc720b6c5" providerId="LiveId" clId="{0A3E9D50-F2DA-4657-BE00-D198136A5056}" dt="2022-03-01T06:58:44.439" v="103" actId="1076"/>
+          <ac:spMkLst>
+            <pc:docMk/>
+            <pc:sldMk cId="1366878453" sldId="268"/>
+            <ac:spMk id="2" creationId="{00000000-0000-0000-0000-000000000000}"/>
+          </ac:spMkLst>
+        </pc:spChg>
+        <pc:spChg chg="mod">
+          <ac:chgData name="Lev Artem" userId="bcc24bddc720b6c5" providerId="LiveId" clId="{0A3E9D50-F2DA-4657-BE00-D198136A5056}" dt="2022-03-01T06:54:19.614" v="82" actId="207"/>
+          <ac:spMkLst>
+            <pc:docMk/>
+            <pc:sldMk cId="1366878453" sldId="268"/>
+            <ac:spMk id="5" creationId="{00000000-0000-0000-0000-000000000000}"/>
+          </ac:spMkLst>
+        </pc:spChg>
+        <pc:spChg chg="mod">
+          <ac:chgData name="Lev Artem" userId="bcc24bddc720b6c5" providerId="LiveId" clId="{0A3E9D50-F2DA-4657-BE00-D198136A5056}" dt="2022-03-01T06:53:33.880" v="80" actId="1076"/>
+          <ac:spMkLst>
+            <pc:docMk/>
+            <pc:sldMk cId="1366878453" sldId="268"/>
+            <ac:spMk id="6" creationId="{00000000-0000-0000-0000-000000000000}"/>
+          </ac:spMkLst>
+        </pc:spChg>
+        <pc:spChg chg="mod">
+          <ac:chgData name="Lev Artem" userId="bcc24bddc720b6c5" providerId="LiveId" clId="{0A3E9D50-F2DA-4657-BE00-D198136A5056}" dt="2022-03-01T06:52:55.883" v="75" actId="1076"/>
+          <ac:spMkLst>
+            <pc:docMk/>
+            <pc:sldMk cId="1366878453" sldId="268"/>
+            <ac:spMk id="7" creationId="{00000000-0000-0000-0000-000000000000}"/>
+          </ac:spMkLst>
+        </pc:spChg>
+        <pc:picChg chg="mod">
+          <ac:chgData name="Lev Artem" userId="bcc24bddc720b6c5" providerId="LiveId" clId="{0A3E9D50-F2DA-4657-BE00-D198136A5056}" dt="2022-03-01T06:51:04.210" v="62" actId="1076"/>
+          <ac:picMkLst>
+            <pc:docMk/>
+            <pc:sldMk cId="1366878453" sldId="268"/>
+            <ac:picMk id="3074" creationId="{CBE047FE-F765-482D-A823-A5B9D6E7E67E}"/>
+          </ac:picMkLst>
+        </pc:picChg>
+      </pc:sldChg>
+      <pc:sldChg chg="modSp mod">
+        <pc:chgData name="Lev Artem" userId="bcc24bddc720b6c5" providerId="LiveId" clId="{0A3E9D50-F2DA-4657-BE00-D198136A5056}" dt="2022-03-01T07:00:31.344" v="110" actId="1076"/>
+        <pc:sldMkLst>
+          <pc:docMk/>
+          <pc:sldMk cId="479793596" sldId="270"/>
+        </pc:sldMkLst>
+        <pc:spChg chg="mod">
+          <ac:chgData name="Lev Artem" userId="bcc24bddc720b6c5" providerId="LiveId" clId="{0A3E9D50-F2DA-4657-BE00-D198136A5056}" dt="2022-03-01T06:59:18.090" v="107" actId="1076"/>
+          <ac:spMkLst>
+            <pc:docMk/>
+            <pc:sldMk cId="479793596" sldId="270"/>
+            <ac:spMk id="2" creationId="{70ECF00E-0AD9-431A-A3AE-4065669E087F}"/>
+          </ac:spMkLst>
+        </pc:spChg>
+        <pc:spChg chg="mod">
+          <ac:chgData name="Lev Artem" userId="bcc24bddc720b6c5" providerId="LiveId" clId="{0A3E9D50-F2DA-4657-BE00-D198136A5056}" dt="2022-03-01T06:53:00.227" v="76" actId="1076"/>
+          <ac:spMkLst>
+            <pc:docMk/>
+            <pc:sldMk cId="479793596" sldId="270"/>
+            <ac:spMk id="3" creationId="{B52CFD01-FDE0-44D1-9E87-DF224AE0A8F5}"/>
+          </ac:spMkLst>
+        </pc:spChg>
+        <pc:spChg chg="mod">
+          <ac:chgData name="Lev Artem" userId="bcc24bddc720b6c5" providerId="LiveId" clId="{0A3E9D50-F2DA-4657-BE00-D198136A5056}" dt="2022-03-01T07:00:31.344" v="110" actId="1076"/>
+          <ac:spMkLst>
+            <pc:docMk/>
+            <pc:sldMk cId="479793596" sldId="270"/>
+            <ac:spMk id="4" creationId="{E167EA9B-E487-439D-B8F1-2403EDFF8917}"/>
+          </ac:spMkLst>
+        </pc:spChg>
+        <pc:spChg chg="mod">
+          <ac:chgData name="Lev Artem" userId="bcc24bddc720b6c5" providerId="LiveId" clId="{0A3E9D50-F2DA-4657-BE00-D198136A5056}" dt="2022-03-01T06:53:03.580" v="77" actId="1076"/>
+          <ac:spMkLst>
+            <pc:docMk/>
+            <pc:sldMk cId="479793596" sldId="270"/>
+            <ac:spMk id="7" creationId="{EC75DBBB-913A-4B2D-89F4-E199501E18C4}"/>
+          </ac:spMkLst>
+        </pc:spChg>
+        <pc:picChg chg="mod">
+          <ac:chgData name="Lev Artem" userId="bcc24bddc720b6c5" providerId="LiveId" clId="{0A3E9D50-F2DA-4657-BE00-D198136A5056}" dt="2022-03-01T06:51:54.857" v="66" actId="1076"/>
+          <ac:picMkLst>
+            <pc:docMk/>
+            <pc:sldMk cId="479793596" sldId="270"/>
+            <ac:picMk id="4098" creationId="{E464C409-9687-45CA-9344-345665776F23}"/>
+          </ac:picMkLst>
+        </pc:picChg>
+      </pc:sldChg>
+    </pc:docChg>
+  </pc:docChgLst>
+</pc:chgInfo>
+</file>
+
 <file path=ppt/notesMasters/notesMaster1.xml><?xml version="1.0" encoding="utf-8"?>
 <p:notesMaster xmlns:a="http://schemas.openxmlformats.org/drawingml/2006/main" xmlns:r="http://schemas.openxmlformats.org/officeDocument/2006/relationships" xmlns:p="http://schemas.openxmlformats.org/presentationml/2006/main">
   <p:cSld>
@@ -206,7 +489,7 @@
           <a:p>
             <a:fld id="{65BFAF22-140B-4626-9D67-F6DC3CD2761B}" type="datetimeFigureOut">
               <a:rPr lang="ru-RU" smtClean="0"/>
-              <a:t>28.02.2022</a:t>
+              <a:t>01.03.2022</a:t>
             </a:fld>
             <a:endParaRPr lang="ru-RU"/>
           </a:p>
@@ -622,7 +905,7 @@
           <a:p>
             <a:fld id="{4E906987-4A52-4D90-965D-E0B651B58DA5}" type="slidenum">
               <a:rPr lang="ru-RU" smtClean="0"/>
-              <a:t>10</a:t>
+              <a:t>9</a:t>
             </a:fld>
             <a:endParaRPr lang="ru-RU"/>
           </a:p>
@@ -1852,7 +2135,7 @@
           <a:p>
             <a:fld id="{0B8BA4E0-AB67-4CAB-AE68-7FE25406E938}" type="datetimeFigureOut">
               <a:rPr lang="ru-RU" smtClean="0"/>
-              <a:t>28.02.2022</a:t>
+              <a:t>01.03.2022</a:t>
             </a:fld>
             <a:endParaRPr lang="ru-RU"/>
           </a:p>
@@ -2090,7 +2373,7 @@
           <a:p>
             <a:fld id="{0B8BA4E0-AB67-4CAB-AE68-7FE25406E938}" type="datetimeFigureOut">
               <a:rPr lang="ru-RU" smtClean="0"/>
-              <a:t>28.02.2022</a:t>
+              <a:t>01.03.2022</a:t>
             </a:fld>
             <a:endParaRPr lang="ru-RU"/>
           </a:p>
@@ -2282,7 +2565,7 @@
           <a:p>
             <a:fld id="{0B8BA4E0-AB67-4CAB-AE68-7FE25406E938}" type="datetimeFigureOut">
               <a:rPr lang="ru-RU" smtClean="0"/>
-              <a:t>28.02.2022</a:t>
+              <a:t>01.03.2022</a:t>
             </a:fld>
             <a:endParaRPr lang="ru-RU"/>
           </a:p>
@@ -2464,7 +2747,7 @@
           <a:p>
             <a:fld id="{0B8BA4E0-AB67-4CAB-AE68-7FE25406E938}" type="datetimeFigureOut">
               <a:rPr lang="ru-RU" smtClean="0"/>
-              <a:t>28.02.2022</a:t>
+              <a:t>01.03.2022</a:t>
             </a:fld>
             <a:endParaRPr lang="ru-RU"/>
           </a:p>
@@ -2752,7 +3035,7 @@
           <a:p>
             <a:fld id="{0B8BA4E0-AB67-4CAB-AE68-7FE25406E938}" type="datetimeFigureOut">
               <a:rPr lang="ru-RU" smtClean="0"/>
-              <a:t>28.02.2022</a:t>
+              <a:t>01.03.2022</a:t>
             </a:fld>
             <a:endParaRPr lang="ru-RU"/>
           </a:p>
@@ -3965,7 +4248,7 @@
           <a:p>
             <a:fld id="{0B8BA4E0-AB67-4CAB-AE68-7FE25406E938}" type="datetimeFigureOut">
               <a:rPr lang="ru-RU" smtClean="0"/>
-              <a:t>28.02.2022</a:t>
+              <a:t>01.03.2022</a:t>
             </a:fld>
             <a:endParaRPr lang="ru-RU"/>
           </a:p>
@@ -4367,7 +4650,7 @@
           <a:p>
             <a:fld id="{0B8BA4E0-AB67-4CAB-AE68-7FE25406E938}" type="datetimeFigureOut">
               <a:rPr lang="ru-RU" smtClean="0"/>
-              <a:t>28.02.2022</a:t>
+              <a:t>01.03.2022</a:t>
             </a:fld>
             <a:endParaRPr lang="ru-RU"/>
           </a:p>
@@ -4502,7 +4785,7 @@
           <a:p>
             <a:fld id="{0B8BA4E0-AB67-4CAB-AE68-7FE25406E938}" type="datetimeFigureOut">
               <a:rPr lang="ru-RU" smtClean="0"/>
-              <a:t>28.02.2022</a:t>
+              <a:t>01.03.2022</a:t>
             </a:fld>
             <a:endParaRPr lang="ru-RU"/>
           </a:p>
@@ -4609,7 +4892,7 @@
           <a:p>
             <a:fld id="{0B8BA4E0-AB67-4CAB-AE68-7FE25406E938}" type="datetimeFigureOut">
               <a:rPr lang="ru-RU" smtClean="0"/>
-              <a:t>28.02.2022</a:t>
+              <a:t>01.03.2022</a:t>
             </a:fld>
             <a:endParaRPr lang="ru-RU"/>
           </a:p>
@@ -5384,7 +5667,7 @@
           <a:p>
             <a:fld id="{0B8BA4E0-AB67-4CAB-AE68-7FE25406E938}" type="datetimeFigureOut">
               <a:rPr lang="ru-RU" smtClean="0"/>
-              <a:t>28.02.2022</a:t>
+              <a:t>01.03.2022</a:t>
             </a:fld>
             <a:endParaRPr lang="ru-RU"/>
           </a:p>
@@ -6236,7 +6519,7 @@
           <a:p>
             <a:fld id="{0B8BA4E0-AB67-4CAB-AE68-7FE25406E938}" type="datetimeFigureOut">
               <a:rPr lang="ru-RU" smtClean="0"/>
-              <a:t>28.02.2022</a:t>
+              <a:t>01.03.2022</a:t>
             </a:fld>
             <a:endParaRPr lang="ru-RU"/>
           </a:p>
@@ -6475,7 +6758,7 @@
           <a:p>
             <a:fld id="{0B8BA4E0-AB67-4CAB-AE68-7FE25406E938}" type="datetimeFigureOut">
               <a:rPr lang="ru-RU" smtClean="0"/>
-              <a:t>28.02.2022</a:t>
+              <a:t>01.03.2022</a:t>
             </a:fld>
             <a:endParaRPr lang="ru-RU"/>
           </a:p>
@@ -7504,7 +7787,7 @@
         </p:nvSpPr>
         <p:spPr>
           <a:xfrm>
-            <a:off x="1457848" y="1940098"/>
+            <a:off x="1965848" y="2007644"/>
             <a:ext cx="8260303" cy="1086735"/>
           </a:xfrm>
         </p:spPr>
@@ -7554,7 +7837,7 @@
         </p:nvSpPr>
         <p:spPr>
           <a:xfrm>
-            <a:off x="1419968" y="2837102"/>
+            <a:off x="1523999" y="2901471"/>
             <a:ext cx="9144000" cy="1655762"/>
           </a:xfrm>
         </p:spPr>
@@ -7844,7 +8127,7 @@
         </p:nvSpPr>
         <p:spPr>
           <a:xfrm>
-            <a:off x="2540000" y="237929"/>
+            <a:off x="3047999" y="237929"/>
             <a:ext cx="6096000" cy="1769715"/>
           </a:xfrm>
           <a:prstGeom prst="rect">
@@ -7958,124 +8241,6 @@
   <p:clrMapOvr>
     <a:masterClrMapping/>
   </p:clrMapOvr>
-</p:sld>
-</file>
-
-<file path=ppt/slides/slide10.xml><?xml version="1.0" encoding="utf-8"?>
-<p:sld xmlns:a="http://schemas.openxmlformats.org/drawingml/2006/main" xmlns:r="http://schemas.openxmlformats.org/officeDocument/2006/relationships" xmlns:p="http://schemas.openxmlformats.org/presentationml/2006/main">
-  <p:cSld>
-    <p:spTree>
-      <p:nvGrpSpPr>
-        <p:cNvPr id="1" name=""/>
-        <p:cNvGrpSpPr/>
-        <p:nvPr/>
-      </p:nvGrpSpPr>
-      <p:grpSpPr>
-        <a:xfrm>
-          <a:off x="0" y="0"/>
-          <a:ext cx="0" cy="0"/>
-          <a:chOff x="0" y="0"/>
-          <a:chExt cx="0" cy="0"/>
-        </a:xfrm>
-      </p:grpSpPr>
-      <p:sp>
-        <p:nvSpPr>
-          <p:cNvPr id="3" name="Объект 2">
-            <a:extLst>
-              <a:ext uri="{FF2B5EF4-FFF2-40B4-BE49-F238E27FC236}">
-                <a16:creationId xmlns:a16="http://schemas.microsoft.com/office/drawing/2014/main" id="{592DB4D9-31D3-459D-B0DB-6F9F48A9C15E}"/>
-              </a:ext>
-            </a:extLst>
-          </p:cNvPr>
-          <p:cNvSpPr>
-            <a:spLocks noGrp="1"/>
-          </p:cNvSpPr>
-          <p:nvPr>
-            <p:ph idx="1"/>
-          </p:nvPr>
-        </p:nvSpPr>
-        <p:spPr>
-          <a:xfrm>
-            <a:off x="460972" y="2405723"/>
-            <a:ext cx="10495926" cy="4023360"/>
-          </a:xfrm>
-        </p:spPr>
-        <p:txBody>
-          <a:bodyPr>
-            <a:normAutofit/>
-          </a:bodyPr>
-          <a:lstStyle/>
-          <a:p>
-            <a:pPr indent="0" algn="ctr">
-              <a:lnSpc>
-                <a:spcPct val="110000"/>
-              </a:lnSpc>
-              <a:spcAft>
-                <a:spcPts val="800"/>
-              </a:spcAft>
-              <a:buNone/>
-            </a:pPr>
-            <a:r>
-              <a:rPr lang="ru-RU" sz="5400" dirty="0">
-                <a:effectLst/>
-                <a:latin typeface="Arial" panose="020B0604020202020204" pitchFamily="34" charset="0"/>
-                <a:ea typeface="Calibri" panose="020F0502020204030204" pitchFamily="34" charset="0"/>
-                <a:cs typeface="Arial" panose="020B0604020202020204" pitchFamily="34" charset="0"/>
-              </a:rPr>
-              <a:t>	</a:t>
-            </a:r>
-            <a:r>
-              <a:rPr lang="ru-RU" sz="5400" b="1" dirty="0">
-                <a:ln w="15875">
-                  <a:solidFill>
-                    <a:schemeClr val="tx1"/>
-                  </a:solidFill>
-                </a:ln>
-                <a:solidFill>
-                  <a:schemeClr val="bg1"/>
-                </a:solidFill>
-                <a:effectLst>
-                  <a:outerShdw blurRad="38100" dist="38100" dir="2700000" algn="tl">
-                    <a:srgbClr val="000000">
-                      <a:alpha val="43137"/>
-                    </a:srgbClr>
-                  </a:outerShdw>
-                </a:effectLst>
-                <a:latin typeface="Arial" panose="020B0604020202020204" pitchFamily="34" charset="0"/>
-                <a:ea typeface="Calibri" panose="020F0502020204030204" pitchFamily="34" charset="0"/>
-                <a:cs typeface="Aharoni" panose="020B0604020202020204" pitchFamily="2" charset="-79"/>
-              </a:rPr>
-              <a:t>Спасибо за внимание!</a:t>
-            </a:r>
-            <a:endParaRPr lang="ru-RU" sz="5400" dirty="0">
-              <a:latin typeface="Arial" panose="020B0604020202020204" pitchFamily="34" charset="0"/>
-              <a:cs typeface="Aharoni" panose="020B0604020202020204" pitchFamily="2" charset="-79"/>
-            </a:endParaRPr>
-          </a:p>
-        </p:txBody>
-      </p:sp>
-    </p:spTree>
-    <p:extLst>
-      <p:ext uri="{BB962C8B-B14F-4D97-AF65-F5344CB8AC3E}">
-        <p14:creationId xmlns:p14="http://schemas.microsoft.com/office/powerpoint/2010/main" val="384015414"/>
-      </p:ext>
-    </p:extLst>
-  </p:cSld>
-  <p:clrMapOvr>
-    <a:masterClrMapping/>
-  </p:clrMapOvr>
-  <mc:AlternateContent xmlns:mc="http://schemas.openxmlformats.org/markup-compatibility/2006" xmlns:p14="http://schemas.microsoft.com/office/powerpoint/2010/main">
-    <mc:Choice Requires="p14">
-      <p:transition spd="med" p14:dur="700">
-        <p:fade/>
-      </p:transition>
-    </mc:Choice>
-    <mc:Fallback xmlns="">
-      <p:transition spd="med">
-        <p:fade/>
-      </p:transition>
-    </mc:Fallback>
-  </mc:AlternateContent>
 </p:sld>
 </file>
 
@@ -8111,12 +8276,12 @@
           <a:bodyPr/>
           <a:lstStyle/>
           <a:p>
+            <a:pPr algn="ctr"/>
             <a:r>
               <a:rPr lang="ru-RU" dirty="0">
                 <a:solidFill>
                   <a:schemeClr val="tx2"/>
                 </a:solidFill>
-                <a:latin typeface="Arial" panose="020B0604020202020204" pitchFamily="34" charset="0"/>
                 <a:cs typeface="Arial" panose="020B0604020202020204" pitchFamily="34" charset="0"/>
               </a:rPr>
               <a:t>Постановка цели и задач</a:t>
@@ -8185,7 +8350,47 @@
                 <a:latin typeface="Arial" panose="020B0604020202020204" pitchFamily="34" charset="0"/>
                 <a:cs typeface="Arial" panose="020B0604020202020204" pitchFamily="34" charset="0"/>
               </a:rPr>
-              <a:t>”.</a:t>
+              <a:t>”</a:t>
+            </a:r>
+            <a:r>
+              <a:rPr lang="en-US" sz="2200" dirty="0">
+                <a:solidFill>
+                  <a:schemeClr val="tx2"/>
+                </a:solidFill>
+                <a:latin typeface="Arial" panose="020B0604020202020204" pitchFamily="34" charset="0"/>
+                <a:cs typeface="Arial" panose="020B0604020202020204" pitchFamily="34" charset="0"/>
+              </a:rPr>
+              <a:t> </a:t>
+            </a:r>
+            <a:r>
+              <a:rPr lang="ru-RU" sz="2200" dirty="0">
+                <a:solidFill>
+                  <a:schemeClr val="tx2"/>
+                </a:solidFill>
+                <a:latin typeface="Arial" panose="020B0604020202020204" pitchFamily="34" charset="0"/>
+                <a:cs typeface="Arial" panose="020B0604020202020204" pitchFamily="34" charset="0"/>
+              </a:rPr>
+              <a:t>в жанре </a:t>
+            </a:r>
+            <a:r>
+              <a:rPr lang="en-US" sz="2200" dirty="0" err="1">
+                <a:solidFill>
+                  <a:schemeClr val="tx2"/>
+                </a:solidFill>
+                <a:latin typeface="Arial" panose="020B0604020202020204" pitchFamily="34" charset="0"/>
+                <a:cs typeface="Arial" panose="020B0604020202020204" pitchFamily="34" charset="0"/>
+              </a:rPr>
+              <a:t>RogueLike</a:t>
+            </a:r>
+            <a:r>
+              <a:rPr lang="ru-RU" sz="2200" dirty="0">
+                <a:solidFill>
+                  <a:schemeClr val="tx2"/>
+                </a:solidFill>
+                <a:latin typeface="Arial" panose="020B0604020202020204" pitchFamily="34" charset="0"/>
+                <a:cs typeface="Arial" panose="020B0604020202020204" pitchFamily="34" charset="0"/>
+              </a:rPr>
+              <a:t>.</a:t>
             </a:r>
           </a:p>
           <a:p>
@@ -8334,7 +8539,7 @@
         </p:nvSpPr>
         <p:spPr>
           <a:xfrm>
-            <a:off x="1179443" y="-273318"/>
+            <a:off x="1404000" y="360000"/>
             <a:ext cx="10058400" cy="1450757"/>
           </a:xfrm>
         </p:spPr>
@@ -8361,7 +8566,7 @@
         </p:nvSpPr>
         <p:spPr>
           <a:xfrm>
-            <a:off x="6595147" y="2043207"/>
+            <a:off x="6595147" y="1880814"/>
             <a:ext cx="4578769" cy="1015663"/>
           </a:xfrm>
           <a:prstGeom prst="rect">
@@ -8377,7 +8582,7 @@
             <a:r>
               <a:rPr lang="ru-RU" sz="2000" dirty="0">
                 <a:solidFill>
-                  <a:schemeClr val="accent3"/>
+                  <a:srgbClr val="00B050"/>
                 </a:solidFill>
                 <a:latin typeface="Arial" panose="020B0604020202020204" pitchFamily="34" charset="0"/>
                 <a:cs typeface="Arial" panose="020B0604020202020204" pitchFamily="34" charset="0"/>
@@ -8392,7 +8597,7 @@
             <a:r>
               <a:rPr lang="ru-RU" sz="2000" dirty="0">
                 <a:solidFill>
-                  <a:schemeClr val="accent3"/>
+                  <a:srgbClr val="00B050"/>
                 </a:solidFill>
                 <a:latin typeface="Arial" panose="020B0604020202020204" pitchFamily="34" charset="0"/>
                 <a:cs typeface="Arial" panose="020B0604020202020204" pitchFamily="34" charset="0"/>
@@ -8407,7 +8612,7 @@
             <a:r>
               <a:rPr lang="ru-RU" sz="2000" dirty="0">
                 <a:solidFill>
-                  <a:schemeClr val="accent3"/>
+                  <a:srgbClr val="00B050"/>
                 </a:solidFill>
                 <a:latin typeface="Arial" panose="020B0604020202020204" pitchFamily="34" charset="0"/>
                 <a:cs typeface="Arial" panose="020B0604020202020204" pitchFamily="34" charset="0"/>
@@ -8434,8 +8639,8 @@
         </p:nvSpPr>
         <p:spPr>
           <a:xfrm>
-            <a:off x="6595147" y="3982199"/>
-            <a:ext cx="3446521" cy="1015663"/>
+            <a:off x="6595147" y="3452558"/>
+            <a:ext cx="3446521" cy="707886"/>
           </a:xfrm>
           <a:prstGeom prst="rect">
             <a:avLst/>
@@ -8467,7 +8672,7 @@
                 <a:latin typeface="Arial" panose="020B0604020202020204" pitchFamily="34" charset="0"/>
                 <a:cs typeface="Arial" panose="020B0604020202020204" pitchFamily="34" charset="0"/>
               </a:rPr>
-              <a:t>1. Требует покупки за небольшую цену</a:t>
+              <a:t>1. Стоимость 80 рублей</a:t>
             </a:r>
             <a:endParaRPr lang="en-US" sz="2000" dirty="0">
               <a:solidFill>
@@ -8487,7 +8692,7 @@
         </p:nvSpPr>
         <p:spPr>
           <a:xfrm>
-            <a:off x="4833795" y="1245618"/>
+            <a:off x="5151162" y="1306132"/>
             <a:ext cx="2887970" cy="461665"/>
           </a:xfrm>
           <a:prstGeom prst="rect">
@@ -8539,8 +8744,8 @@
         </p:blipFill>
         <p:spPr bwMode="auto">
           <a:xfrm>
-            <a:off x="920667" y="2186502"/>
-            <a:ext cx="5393047" cy="3234583"/>
+            <a:off x="1080000" y="2186501"/>
+            <a:ext cx="5402079" cy="3240000"/>
           </a:xfrm>
           <a:prstGeom prst="rect">
             <a:avLst/>
@@ -8617,7 +8822,7 @@
         </p:nvSpPr>
         <p:spPr>
           <a:xfrm>
-            <a:off x="1097280" y="-238183"/>
+            <a:off x="1296000" y="360000"/>
             <a:ext cx="10058400" cy="1450757"/>
           </a:xfrm>
         </p:spPr>
@@ -8655,7 +8860,7 @@
         </p:nvSpPr>
         <p:spPr>
           <a:xfrm>
-            <a:off x="6005625" y="1479598"/>
+            <a:off x="6595085" y="1704039"/>
             <a:ext cx="4810540" cy="1583266"/>
           </a:xfrm>
         </p:spPr>
@@ -8762,7 +8967,7 @@
         </p:nvSpPr>
         <p:spPr>
           <a:xfrm>
-            <a:off x="6005625" y="3287305"/>
+            <a:off x="6595085" y="3548154"/>
             <a:ext cx="6094674" cy="707886"/>
           </a:xfrm>
           <a:prstGeom prst="rect">
@@ -8818,7 +9023,7 @@
         </p:nvSpPr>
         <p:spPr>
           <a:xfrm>
-            <a:off x="5541200" y="981525"/>
+            <a:off x="5770400" y="1257148"/>
             <a:ext cx="1109599" cy="461665"/>
           </a:xfrm>
           <a:prstGeom prst="rect">
@@ -8875,8 +9080,8 @@
         </p:blipFill>
         <p:spPr bwMode="auto">
           <a:xfrm>
-            <a:off x="740228" y="1997528"/>
-            <a:ext cx="5089676" cy="2862943"/>
+            <a:off x="1080000" y="2160000"/>
+            <a:ext cx="5400000" cy="3037501"/>
           </a:xfrm>
           <a:prstGeom prst="rect">
             <a:avLst/>
@@ -8963,7 +9168,22 @@
                   <a:schemeClr val="tx2"/>
                 </a:solidFill>
               </a:rPr>
-              <a:t>Организационная структура предприятия</a:t>
+              <a:t>Организационная структура</a:t>
+            </a:r>
+            <a:br>
+              <a:rPr lang="ru-RU" dirty="0">
+                <a:solidFill>
+                  <a:schemeClr val="tx2"/>
+                </a:solidFill>
+              </a:rPr>
+            </a:br>
+            <a:r>
+              <a:rPr lang="ru-RU" dirty="0">
+                <a:solidFill>
+                  <a:schemeClr val="tx2"/>
+                </a:solidFill>
+              </a:rPr>
+              <a:t>Команды разработчиков</a:t>
             </a:r>
           </a:p>
         </p:txBody>
@@ -9039,9 +9259,15 @@
       </p:sp>
       <p:pic>
         <p:nvPicPr>
-          <p:cNvPr id="5" name="Рисунок 4"/>
+          <p:cNvPr id="3" name="Picture 2" descr="4.2 Состав команд цифровых проектов: кейсы государственных организаций">
+            <a:extLst>
+              <a:ext uri="{FF2B5EF4-FFF2-40B4-BE49-F238E27FC236}">
+                <a16:creationId xmlns:a16="http://schemas.microsoft.com/office/drawing/2014/main" id="{576406B7-8A6E-4587-A30E-7D1F6B89893F}"/>
+              </a:ext>
+            </a:extLst>
+          </p:cNvPr>
           <p:cNvPicPr>
-            <a:picLocks noChangeAspect="1"/>
+            <a:picLocks noChangeAspect="1" noChangeArrowheads="1"/>
           </p:cNvPicPr>
           <p:nvPr/>
         </p:nvPicPr>
@@ -9053,18 +9279,29 @@
               </a:ext>
             </a:extLst>
           </a:blip>
+          <a:srcRect/>
           <a:stretch>
             <a:fillRect/>
           </a:stretch>
         </p:blipFill>
-        <p:spPr>
+        <p:spPr bwMode="auto">
           <a:xfrm>
-            <a:off x="1171813" y="2151797"/>
-            <a:ext cx="10040394" cy="4413804"/>
+            <a:off x="2352574" y="1674204"/>
+            <a:ext cx="7276646" cy="5263749"/>
           </a:xfrm>
           <a:prstGeom prst="rect">
             <a:avLst/>
           </a:prstGeom>
+          <a:noFill/>
+          <a:extLst>
+            <a:ext uri="{909E8E84-426E-40DD-AFC4-6F175D3DCCD1}">
+              <a14:hiddenFill xmlns:a14="http://schemas.microsoft.com/office/drawing/2010/main">
+                <a:solidFill>
+                  <a:srgbClr val="FFFFFF"/>
+                </a:solidFill>
+              </a14:hiddenFill>
+            </a:ext>
+          </a:extLst>
         </p:spPr>
       </p:pic>
     </p:spTree>
@@ -9121,7 +9358,7 @@
         </p:nvSpPr>
         <p:spPr>
           <a:xfrm>
-            <a:off x="344238" y="-86568"/>
+            <a:off x="478699" y="360000"/>
             <a:ext cx="11713301" cy="1048666"/>
           </a:xfrm>
         </p:spPr>
@@ -9170,7 +9407,7 @@
         </p:blipFill>
         <p:spPr bwMode="auto">
           <a:xfrm>
-            <a:off x="2472418" y="962098"/>
+            <a:off x="2940769" y="1526753"/>
             <a:ext cx="7247164" cy="5331247"/>
           </a:xfrm>
           <a:prstGeom prst="rect">
@@ -9245,167 +9482,6 @@
       </p:grpSpPr>
       <p:sp>
         <p:nvSpPr>
-          <p:cNvPr id="2" name="Заголовок 1">
-            <a:extLst>
-              <a:ext uri="{FF2B5EF4-FFF2-40B4-BE49-F238E27FC236}">
-                <a16:creationId xmlns:a16="http://schemas.microsoft.com/office/drawing/2014/main" id="{409718F4-B808-4C4E-B7C2-D9953C778D72}"/>
-              </a:ext>
-            </a:extLst>
-          </p:cNvPr>
-          <p:cNvSpPr>
-            <a:spLocks noGrp="1"/>
-          </p:cNvSpPr>
-          <p:nvPr>
-            <p:ph type="title"/>
-          </p:nvPr>
-        </p:nvSpPr>
-        <p:spPr>
-          <a:xfrm>
-            <a:off x="269828" y="404431"/>
-            <a:ext cx="11713301" cy="1048666"/>
-          </a:xfrm>
-        </p:spPr>
-        <p:txBody>
-          <a:bodyPr>
-            <a:normAutofit fontScale="90000"/>
-          </a:bodyPr>
-          <a:lstStyle/>
-          <a:p>
-            <a:pPr algn="ctr"/>
-            <a:r>
-              <a:rPr lang="ru-RU" dirty="0">
-                <a:solidFill>
-                  <a:srgbClr val="000000"/>
-                </a:solidFill>
-                <a:effectLst/>
-                <a:ea typeface="Times New Roman" panose="02020603050405020304" pitchFamily="18" charset="0"/>
-              </a:rPr>
-              <a:t>ПРОЕКТИРОВАНИЕ ИС</a:t>
-            </a:r>
-            <a:br>
-              <a:rPr lang="ru-RU" sz="1800" b="1" dirty="0">
-                <a:effectLst/>
-                <a:latin typeface="Times New Roman" panose="02020603050405020304" pitchFamily="18" charset="0"/>
-                <a:ea typeface="Times New Roman" panose="02020603050405020304" pitchFamily="18" charset="0"/>
-              </a:rPr>
-            </a:br>
-            <a:endParaRPr lang="ru-RU" dirty="0"/>
-          </a:p>
-        </p:txBody>
-      </p:sp>
-      <p:sp>
-        <p:nvSpPr>
-          <p:cNvPr id="4" name="Rectangle 2">
-            <a:extLst>
-              <a:ext uri="{FF2B5EF4-FFF2-40B4-BE49-F238E27FC236}">
-                <a16:creationId xmlns:a16="http://schemas.microsoft.com/office/drawing/2014/main" id="{B8002574-E790-417A-883F-00349D2F1F44}"/>
-              </a:ext>
-            </a:extLst>
-          </p:cNvPr>
-          <p:cNvSpPr>
-            <a:spLocks noChangeArrowheads="1"/>
-          </p:cNvSpPr>
-          <p:nvPr/>
-        </p:nvSpPr>
-        <p:spPr bwMode="auto">
-          <a:xfrm>
-            <a:off x="3826914" y="3878317"/>
-            <a:ext cx="12192000" cy="0"/>
-          </a:xfrm>
-          <a:prstGeom prst="rect">
-            <a:avLst/>
-          </a:prstGeom>
-          <a:noFill/>
-          <a:ln>
-            <a:noFill/>
-          </a:ln>
-          <a:effectLst/>
-          <a:extLst>
-            <a:ext uri="{909E8E84-426E-40DD-AFC4-6F175D3DCCD1}">
-              <a14:hiddenFill xmlns:a14="http://schemas.microsoft.com/office/drawing/2010/main">
-                <a:solidFill>
-                  <a:schemeClr val="accent1"/>
-                </a:solidFill>
-              </a14:hiddenFill>
-            </a:ext>
-            <a:ext uri="{91240B29-F687-4F45-9708-019B960494DF}">
-              <a14:hiddenLine xmlns:a14="http://schemas.microsoft.com/office/drawing/2010/main" w="9525">
-                <a:solidFill>
-                  <a:schemeClr val="tx1"/>
-                </a:solidFill>
-                <a:miter lim="800000"/>
-                <a:headEnd/>
-                <a:tailEnd/>
-              </a14:hiddenLine>
-            </a:ext>
-            <a:ext uri="{AF507438-7753-43E0-B8FC-AC1667EBCBE1}">
-              <a14:hiddenEffects xmlns:a14="http://schemas.microsoft.com/office/drawing/2010/main">
-                <a:effectLst>
-                  <a:outerShdw dist="35921" dir="2700000" algn="ctr" rotWithShape="0">
-                    <a:schemeClr val="bg2"/>
-                  </a:outerShdw>
-                </a:effectLst>
-              </a14:hiddenEffects>
-            </a:ext>
-          </a:extLst>
-        </p:spPr>
-        <p:txBody>
-          <a:bodyPr vert="horz" wrap="none" lIns="91440" tIns="45720" rIns="91440" bIns="45720" numCol="1" anchor="ctr" anchorCtr="0" compatLnSpc="1">
-            <a:prstTxWarp prst="textNoShape">
-              <a:avLst/>
-            </a:prstTxWarp>
-            <a:spAutoFit/>
-          </a:bodyPr>
-          <a:lstStyle/>
-          <a:p>
-            <a:endParaRPr lang="ru-RU"/>
-          </a:p>
-        </p:txBody>
-      </p:sp>
-    </p:spTree>
-    <p:extLst>
-      <p:ext uri="{BB962C8B-B14F-4D97-AF65-F5344CB8AC3E}">
-        <p14:creationId xmlns:p14="http://schemas.microsoft.com/office/powerpoint/2010/main" val="86577255"/>
-      </p:ext>
-    </p:extLst>
-  </p:cSld>
-  <p:clrMapOvr>
-    <a:masterClrMapping/>
-  </p:clrMapOvr>
-  <mc:AlternateContent xmlns:mc="http://schemas.openxmlformats.org/markup-compatibility/2006" xmlns:p14="http://schemas.microsoft.com/office/powerpoint/2010/main">
-    <mc:Choice Requires="p14">
-      <p:transition spd="med" p14:dur="700">
-        <p:fade/>
-      </p:transition>
-    </mc:Choice>
-    <mc:Fallback xmlns="">
-      <p:transition spd="med">
-        <p:fade/>
-      </p:transition>
-    </mc:Fallback>
-  </mc:AlternateContent>
-</p:sld>
-</file>
-
-<file path=ppt/slides/slide8.xml><?xml version="1.0" encoding="utf-8"?>
-<p:sld xmlns:a="http://schemas.openxmlformats.org/drawingml/2006/main" xmlns:r="http://schemas.openxmlformats.org/officeDocument/2006/relationships" xmlns:p="http://schemas.openxmlformats.org/presentationml/2006/main">
-  <p:cSld>
-    <p:spTree>
-      <p:nvGrpSpPr>
-        <p:cNvPr id="1" name=""/>
-        <p:cNvGrpSpPr/>
-        <p:nvPr/>
-      </p:nvGrpSpPr>
-      <p:grpSpPr>
-        <a:xfrm>
-          <a:off x="0" y="0"/>
-          <a:ext cx="0" cy="0"/>
-          <a:chOff x="0" y="0"/>
-          <a:chExt cx="0" cy="0"/>
-        </a:xfrm>
-      </p:grpSpPr>
-      <p:sp>
-        <p:nvSpPr>
           <p:cNvPr id="2" name="Заголовок 1"/>
           <p:cNvSpPr>
             <a:spLocks noGrp="1"/>
@@ -9416,7 +9492,7 @@
         </p:nvSpPr>
         <p:spPr>
           <a:xfrm>
-            <a:off x="781087" y="-172705"/>
+            <a:off x="1066800" y="360000"/>
             <a:ext cx="10058400" cy="1450757"/>
           </a:xfrm>
         </p:spPr>
@@ -10033,7 +10109,7 @@
 </p:sld>
 </file>
 
-<file path=ppt/slides/slide9.xml><?xml version="1.0" encoding="utf-8"?>
+<file path=ppt/slides/slide8.xml><?xml version="1.0" encoding="utf-8"?>
 <p:sld xmlns:a="http://schemas.openxmlformats.org/drawingml/2006/main" xmlns:r="http://schemas.openxmlformats.org/officeDocument/2006/relationships" xmlns:p="http://schemas.openxmlformats.org/presentationml/2006/main">
   <p:cSld>
     <p:spTree>
@@ -10068,7 +10144,7 @@
         </p:nvSpPr>
         <p:spPr>
           <a:xfrm>
-            <a:off x="335359" y="482838"/>
+            <a:off x="360000" y="360000"/>
             <a:ext cx="11713301" cy="1048666"/>
           </a:xfrm>
         </p:spPr>
@@ -10080,12 +10156,11 @@
           <a:p>
             <a:pPr algn="ctr"/>
             <a:r>
-              <a:rPr lang="ru-RU" dirty="0">
+              <a:rPr lang="ru-RU" sz="5700" dirty="0">
                 <a:solidFill>
                   <a:srgbClr val="000000"/>
                 </a:solidFill>
                 <a:effectLst/>
-                <a:latin typeface="Arial" panose="020B0604020202020204" pitchFamily="34" charset="0"/>
                 <a:ea typeface="Times New Roman" panose="02020603050405020304" pitchFamily="18" charset="0"/>
                 <a:cs typeface="Arial" panose="020B0604020202020204" pitchFamily="34" charset="0"/>
               </a:rPr>
@@ -10140,6 +10215,120 @@
     <p:extLst>
       <p:ext uri="{BB962C8B-B14F-4D97-AF65-F5344CB8AC3E}">
         <p14:creationId xmlns:p14="http://schemas.microsoft.com/office/powerpoint/2010/main" val="434920532"/>
+      </p:ext>
+    </p:extLst>
+  </p:cSld>
+  <p:clrMapOvr>
+    <a:masterClrMapping/>
+  </p:clrMapOvr>
+  <mc:AlternateContent xmlns:mc="http://schemas.openxmlformats.org/markup-compatibility/2006" xmlns:p14="http://schemas.microsoft.com/office/powerpoint/2010/main">
+    <mc:Choice Requires="p14">
+      <p:transition spd="med" p14:dur="700">
+        <p:fade/>
+      </p:transition>
+    </mc:Choice>
+    <mc:Fallback xmlns="">
+      <p:transition spd="med">
+        <p:fade/>
+      </p:transition>
+    </mc:Fallback>
+  </mc:AlternateContent>
+</p:sld>
+</file>
+
+<file path=ppt/slides/slide9.xml><?xml version="1.0" encoding="utf-8"?>
+<p:sld xmlns:a="http://schemas.openxmlformats.org/drawingml/2006/main" xmlns:r="http://schemas.openxmlformats.org/officeDocument/2006/relationships" xmlns:p="http://schemas.openxmlformats.org/presentationml/2006/main">
+  <p:cSld>
+    <p:spTree>
+      <p:nvGrpSpPr>
+        <p:cNvPr id="1" name=""/>
+        <p:cNvGrpSpPr/>
+        <p:nvPr/>
+      </p:nvGrpSpPr>
+      <p:grpSpPr>
+        <a:xfrm>
+          <a:off x="0" y="0"/>
+          <a:ext cx="0" cy="0"/>
+          <a:chOff x="0" y="0"/>
+          <a:chExt cx="0" cy="0"/>
+        </a:xfrm>
+      </p:grpSpPr>
+      <p:sp>
+        <p:nvSpPr>
+          <p:cNvPr id="3" name="Объект 2">
+            <a:extLst>
+              <a:ext uri="{FF2B5EF4-FFF2-40B4-BE49-F238E27FC236}">
+                <a16:creationId xmlns:a16="http://schemas.microsoft.com/office/drawing/2014/main" id="{592DB4D9-31D3-459D-B0DB-6F9F48A9C15E}"/>
+              </a:ext>
+            </a:extLst>
+          </p:cNvPr>
+          <p:cNvSpPr>
+            <a:spLocks noGrp="1"/>
+          </p:cNvSpPr>
+          <p:nvPr>
+            <p:ph idx="1"/>
+          </p:nvPr>
+        </p:nvSpPr>
+        <p:spPr>
+          <a:xfrm>
+            <a:off x="460972" y="2405723"/>
+            <a:ext cx="10495926" cy="4023360"/>
+          </a:xfrm>
+        </p:spPr>
+        <p:txBody>
+          <a:bodyPr>
+            <a:normAutofit/>
+          </a:bodyPr>
+          <a:lstStyle/>
+          <a:p>
+            <a:pPr indent="0" algn="ctr">
+              <a:lnSpc>
+                <a:spcPct val="110000"/>
+              </a:lnSpc>
+              <a:spcAft>
+                <a:spcPts val="800"/>
+              </a:spcAft>
+              <a:buNone/>
+            </a:pPr>
+            <a:r>
+              <a:rPr lang="ru-RU" sz="5400" dirty="0">
+                <a:effectLst/>
+                <a:latin typeface="Arial" panose="020B0604020202020204" pitchFamily="34" charset="0"/>
+                <a:ea typeface="Calibri" panose="020F0502020204030204" pitchFamily="34" charset="0"/>
+                <a:cs typeface="Arial" panose="020B0604020202020204" pitchFamily="34" charset="0"/>
+              </a:rPr>
+              <a:t>	</a:t>
+            </a:r>
+            <a:r>
+              <a:rPr lang="ru-RU" sz="5100" dirty="0">
+                <a:ln w="0"/>
+                <a:solidFill>
+                  <a:schemeClr val="tx1"/>
+                </a:solidFill>
+                <a:effectLst>
+                  <a:outerShdw blurRad="38100" dist="19050" dir="2700000" algn="tl" rotWithShape="0">
+                    <a:schemeClr val="dk1">
+                      <a:alpha val="40000"/>
+                    </a:schemeClr>
+                  </a:outerShdw>
+                </a:effectLst>
+                <a:latin typeface="Arial" panose="020B0604020202020204" pitchFamily="34" charset="0"/>
+                <a:ea typeface="Calibri" panose="020F0502020204030204" pitchFamily="34" charset="0"/>
+                <a:cs typeface="Aharoni" panose="020B0604020202020204" pitchFamily="2" charset="-79"/>
+              </a:rPr>
+              <a:t>Спасибо за внимание!</a:t>
+            </a:r>
+            <a:endParaRPr lang="ru-RU" sz="5100" dirty="0">
+              <a:latin typeface="Arial" panose="020B0604020202020204" pitchFamily="34" charset="0"/>
+              <a:cs typeface="Aharoni" panose="020B0604020202020204" pitchFamily="2" charset="-79"/>
+            </a:endParaRPr>
+          </a:p>
+        </p:txBody>
+      </p:sp>
+    </p:spTree>
+    <p:extLst>
+      <p:ext uri="{BB962C8B-B14F-4D97-AF65-F5344CB8AC3E}">
+        <p14:creationId xmlns:p14="http://schemas.microsoft.com/office/powerpoint/2010/main" val="384015414"/>
       </p:ext>
     </p:extLst>
   </p:cSld>
